--- a/Websocket.pptx
+++ b/Websocket.pptx
@@ -9774,6 +9774,15 @@
             </a:pPr>
             <a:r>
               <a:rPr lang="en-US" dirty="0"/>
+              <a:t>For Stock Market</a:t>
+            </a:r>
+          </a:p>
+          <a:p>
+            <a:pPr marL="0" indent="0">
+              <a:buNone/>
+            </a:pPr>
+            <a:r>
+              <a:rPr lang="en-US" dirty="0"/>
               <a:t>……..</a:t>
             </a:r>
           </a:p>
@@ -9795,7 +9804,7 @@
         </p:blipFill>
         <p:spPr>
           <a:xfrm>
-            <a:off x="6545262" y="2903855"/>
+            <a:off x="7896984" y="2797837"/>
             <a:ext cx="1743075" cy="1619250"/>
           </a:xfrm>
           <a:prstGeom prst="rect">
@@ -12839,12 +12848,8 @@
           <a:p>
             <a:pPr lvl="1"/>
             <a:r>
-              <a:rPr lang="en-US" dirty="0" err="1"/>
-              <a:t>Eee</a:t>
-            </a:r>
-            <a:r>
               <a:rPr lang="en-US" dirty="0"/>
-              <a:t> ! Close the Connection !</a:t>
+              <a:t>Close the Connection !</a:t>
             </a:r>
           </a:p>
           <a:p>
@@ -12969,6 +12974,30 @@
           </a:p>
         </p:txBody>
       </p:sp>
+      <p:pic>
+        <p:nvPicPr>
+          <p:cNvPr id="4" name="Picture 3"/>
+          <p:cNvPicPr>
+            <a:picLocks noChangeAspect="1"/>
+          </p:cNvPicPr>
+          <p:nvPr/>
+        </p:nvPicPr>
+        <p:blipFill>
+          <a:blip r:embed="rId2"/>
+          <a:stretch>
+            <a:fillRect/>
+          </a:stretch>
+        </p:blipFill>
+        <p:spPr>
+          <a:xfrm>
+            <a:off x="5830957" y="3034749"/>
+            <a:ext cx="948936" cy="1113182"/>
+          </a:xfrm>
+          <a:prstGeom prst="rect">
+            <a:avLst/>
+          </a:prstGeom>
+        </p:spPr>
+      </p:pic>
     </p:spTree>
     <p:extLst>
       <p:ext uri="{BB962C8B-B14F-4D97-AF65-F5344CB8AC3E}">
@@ -13273,7 +13302,7 @@
                             </p:stCondLst>
                             <p:childTnLst>
                               <p:par>
-                                <p:cTn id="19" presetID="2" presetClass="entr" presetSubtype="4" fill="hold" nodeType="clickEffect">
+                                <p:cTn id="19" presetID="10" presetClass="entr" presetSubtype="0" fill="hold" nodeType="clickEffect">
                                   <p:stCondLst>
                                     <p:cond delay="0"/>
                                   </p:stCondLst>
@@ -13286,6 +13315,59 @@
                                           </p:stCondLst>
                                         </p:cTn>
                                         <p:tgtEl>
+                                          <p:spTgt spid="4"/>
+                                        </p:tgtEl>
+                                        <p:attrNameLst>
+                                          <p:attrName>style.visibility</p:attrName>
+                                        </p:attrNameLst>
+                                      </p:cBhvr>
+                                      <p:to>
+                                        <p:strVal val="visible"/>
+                                      </p:to>
+                                    </p:set>
+                                    <p:animEffect transition="in" filter="fade">
+                                      <p:cBhvr>
+                                        <p:cTn id="21" dur="500"/>
+                                        <p:tgtEl>
+                                          <p:spTgt spid="4"/>
+                                        </p:tgtEl>
+                                      </p:cBhvr>
+                                    </p:animEffect>
+                                  </p:childTnLst>
+                                </p:cTn>
+                              </p:par>
+                            </p:childTnLst>
+                          </p:cTn>
+                        </p:par>
+                      </p:childTnLst>
+                    </p:cTn>
+                  </p:par>
+                  <p:par>
+                    <p:cTn id="22" fill="hold">
+                      <p:stCondLst>
+                        <p:cond delay="indefinite"/>
+                      </p:stCondLst>
+                      <p:childTnLst>
+                        <p:par>
+                          <p:cTn id="23" fill="hold">
+                            <p:stCondLst>
+                              <p:cond delay="0"/>
+                            </p:stCondLst>
+                            <p:childTnLst>
+                              <p:par>
+                                <p:cTn id="24" presetID="2" presetClass="entr" presetSubtype="4" fill="hold" nodeType="clickEffect">
+                                  <p:stCondLst>
+                                    <p:cond delay="0"/>
+                                  </p:stCondLst>
+                                  <p:childTnLst>
+                                    <p:set>
+                                      <p:cBhvr>
+                                        <p:cTn id="25" dur="1" fill="hold">
+                                          <p:stCondLst>
+                                            <p:cond delay="0"/>
+                                          </p:stCondLst>
+                                        </p:cTn>
+                                        <p:tgtEl>
                                           <p:spTgt spid="3">
                                             <p:txEl>
                                               <p:pRg st="6" end="6"/>
@@ -13302,7 +13384,7 @@
                                     </p:set>
                                     <p:anim calcmode="lin" valueType="num">
                                       <p:cBhvr additive="base">
-                                        <p:cTn id="21" dur="500" fill="hold"/>
+                                        <p:cTn id="26" dur="500" fill="hold"/>
                                         <p:tgtEl>
                                           <p:spTgt spid="3">
                                             <p:txEl>
@@ -13329,7 +13411,7 @@
                                     </p:anim>
                                     <p:anim calcmode="lin" valueType="num">
                                       <p:cBhvr additive="base">
-                                        <p:cTn id="22" dur="500" fill="hold"/>
+                                        <p:cTn id="27" dur="500" fill="hold"/>
                                         <p:tgtEl>
                                           <p:spTgt spid="3">
                                             <p:txEl>
@@ -13358,14 +13440,14 @@
                                 </p:cTn>
                               </p:par>
                               <p:par>
-                                <p:cTn id="23" presetID="2" presetClass="entr" presetSubtype="4" fill="hold" nodeType="withEffect">
+                                <p:cTn id="28" presetID="2" presetClass="entr" presetSubtype="4" fill="hold" nodeType="withEffect">
                                   <p:stCondLst>
                                     <p:cond delay="0"/>
                                   </p:stCondLst>
                                   <p:childTnLst>
                                     <p:set>
                                       <p:cBhvr>
-                                        <p:cTn id="24" dur="1" fill="hold">
+                                        <p:cTn id="29" dur="1" fill="hold">
                                           <p:stCondLst>
                                             <p:cond delay="0"/>
                                           </p:stCondLst>
@@ -13387,7 +13469,7 @@
                                     </p:set>
                                     <p:anim calcmode="lin" valueType="num">
                                       <p:cBhvr additive="base">
-                                        <p:cTn id="25" dur="500" fill="hold"/>
+                                        <p:cTn id="30" dur="500" fill="hold"/>
                                         <p:tgtEl>
                                           <p:spTgt spid="3">
                                             <p:txEl>
@@ -13414,7 +13496,7 @@
                                     </p:anim>
                                     <p:anim calcmode="lin" valueType="num">
                                       <p:cBhvr additive="base">
-                                        <p:cTn id="26" dur="500" fill="hold"/>
+                                        <p:cTn id="31" dur="500" fill="hold"/>
                                         <p:tgtEl>
                                           <p:spTgt spid="3">
                                             <p:txEl>
@@ -13443,14 +13525,14 @@
                                 </p:cTn>
                               </p:par>
                               <p:par>
-                                <p:cTn id="27" presetID="2" presetClass="entr" presetSubtype="4" fill="hold" nodeType="withEffect">
+                                <p:cTn id="32" presetID="2" presetClass="entr" presetSubtype="4" fill="hold" nodeType="withEffect">
                                   <p:stCondLst>
                                     <p:cond delay="0"/>
                                   </p:stCondLst>
                                   <p:childTnLst>
                                     <p:set>
                                       <p:cBhvr>
-                                        <p:cTn id="28" dur="1" fill="hold">
+                                        <p:cTn id="33" dur="1" fill="hold">
                                           <p:stCondLst>
                                             <p:cond delay="0"/>
                                           </p:stCondLst>
@@ -13472,7 +13554,7 @@
                                     </p:set>
                                     <p:anim calcmode="lin" valueType="num">
                                       <p:cBhvr additive="base">
-                                        <p:cTn id="29" dur="500" fill="hold"/>
+                                        <p:cTn id="34" dur="500" fill="hold"/>
                                         <p:tgtEl>
                                           <p:spTgt spid="3">
                                             <p:txEl>
@@ -13499,7 +13581,7 @@
                                     </p:anim>
                                     <p:anim calcmode="lin" valueType="num">
                                       <p:cBhvr additive="base">
-                                        <p:cTn id="30" dur="500" fill="hold"/>
+                                        <p:cTn id="35" dur="500" fill="hold"/>
                                         <p:tgtEl>
                                           <p:spTgt spid="3">
                                             <p:txEl>
@@ -14292,6 +14374,21 @@
             </a:r>
           </a:p>
           <a:p>
+            <a:pPr lvl="1"/>
+            <a:r>
+              <a:rPr lang="en-US" dirty="0"/>
+              <a:t>TYRUS Project = JSR 356: Java API for </a:t>
+            </a:r>
+            <a:r>
+              <a:rPr lang="en-US" dirty="0" err="1"/>
+              <a:t>WebSocket</a:t>
+            </a:r>
+            <a:r>
+              <a:rPr lang="en-US" dirty="0"/>
+              <a:t> - Reference Implementation</a:t>
+            </a:r>
+          </a:p>
+          <a:p>
             <a:endParaRPr lang="en-US" dirty="0"/>
           </a:p>
           <a:p>
@@ -14333,7 +14430,7 @@
         </p:blipFill>
         <p:spPr>
           <a:xfrm>
-            <a:off x="7208249" y="3409398"/>
+            <a:off x="8122649" y="3899728"/>
             <a:ext cx="3809524" cy="2730424"/>
           </a:xfrm>
           <a:prstGeom prst="rect">
@@ -14472,7 +14569,7 @@
                                         <p:tgtEl>
                                           <p:spTgt spid="3">
                                             <p:txEl>
-                                              <p:pRg st="2" end="2"/>
+                                              <p:pRg st="1" end="1"/>
                                             </p:txEl>
                                           </p:spTgt>
                                         </p:tgtEl>
@@ -14490,7 +14587,7 @@
                                         <p:tgtEl>
                                           <p:spTgt spid="3">
                                             <p:txEl>
-                                              <p:pRg st="2" end="2"/>
+                                              <p:pRg st="1" end="1"/>
                                             </p:txEl>
                                           </p:spTgt>
                                         </p:tgtEl>
@@ -14517,7 +14614,92 @@
                                         <p:tgtEl>
                                           <p:spTgt spid="3">
                                             <p:txEl>
-                                              <p:pRg st="2" end="2"/>
+                                              <p:pRg st="1" end="1"/>
+                                            </p:txEl>
+                                          </p:spTgt>
+                                        </p:tgtEl>
+                                        <p:attrNameLst>
+                                          <p:attrName>ppt_y</p:attrName>
+                                        </p:attrNameLst>
+                                      </p:cBhvr>
+                                      <p:tavLst>
+                                        <p:tav tm="0">
+                                          <p:val>
+                                            <p:strVal val="1+#ppt_h/2"/>
+                                          </p:val>
+                                        </p:tav>
+                                        <p:tav tm="100000">
+                                          <p:val>
+                                            <p:strVal val="#ppt_y"/>
+                                          </p:val>
+                                        </p:tav>
+                                      </p:tavLst>
+                                    </p:anim>
+                                  </p:childTnLst>
+                                </p:cTn>
+                              </p:par>
+                              <p:par>
+                                <p:cTn id="13" presetID="2" presetClass="entr" presetSubtype="4" fill="hold" nodeType="withEffect">
+                                  <p:stCondLst>
+                                    <p:cond delay="0"/>
+                                  </p:stCondLst>
+                                  <p:childTnLst>
+                                    <p:set>
+                                      <p:cBhvr>
+                                        <p:cTn id="14" dur="1" fill="hold">
+                                          <p:stCondLst>
+                                            <p:cond delay="0"/>
+                                          </p:stCondLst>
+                                        </p:cTn>
+                                        <p:tgtEl>
+                                          <p:spTgt spid="3">
+                                            <p:txEl>
+                                              <p:pRg st="3" end="3"/>
+                                            </p:txEl>
+                                          </p:spTgt>
+                                        </p:tgtEl>
+                                        <p:attrNameLst>
+                                          <p:attrName>style.visibility</p:attrName>
+                                        </p:attrNameLst>
+                                      </p:cBhvr>
+                                      <p:to>
+                                        <p:strVal val="visible"/>
+                                      </p:to>
+                                    </p:set>
+                                    <p:anim calcmode="lin" valueType="num">
+                                      <p:cBhvr additive="base">
+                                        <p:cTn id="15" dur="500" fill="hold"/>
+                                        <p:tgtEl>
+                                          <p:spTgt spid="3">
+                                            <p:txEl>
+                                              <p:pRg st="3" end="3"/>
+                                            </p:txEl>
+                                          </p:spTgt>
+                                        </p:tgtEl>
+                                        <p:attrNameLst>
+                                          <p:attrName>ppt_x</p:attrName>
+                                        </p:attrNameLst>
+                                      </p:cBhvr>
+                                      <p:tavLst>
+                                        <p:tav tm="0">
+                                          <p:val>
+                                            <p:strVal val="#ppt_x"/>
+                                          </p:val>
+                                        </p:tav>
+                                        <p:tav tm="100000">
+                                          <p:val>
+                                            <p:strVal val="#ppt_x"/>
+                                          </p:val>
+                                        </p:tav>
+                                      </p:tavLst>
+                                    </p:anim>
+                                    <p:anim calcmode="lin" valueType="num">
+                                      <p:cBhvr additive="base">
+                                        <p:cTn id="16" dur="500" fill="hold"/>
+                                        <p:tgtEl>
+                                          <p:spTgt spid="3">
+                                            <p:txEl>
+                                              <p:pRg st="3" end="3"/>
                                             </p:txEl>
                                           </p:spTgt>
                                         </p:tgtEl>
@@ -14548,26 +14730,26 @@
                     </p:cTn>
                   </p:par>
                   <p:par>
-                    <p:cTn id="13" fill="hold">
+                    <p:cTn id="17" fill="hold">
                       <p:stCondLst>
                         <p:cond delay="indefinite"/>
                       </p:stCondLst>
                       <p:childTnLst>
                         <p:par>
-                          <p:cTn id="14" fill="hold">
+                          <p:cTn id="18" fill="hold">
                             <p:stCondLst>
                               <p:cond delay="0"/>
                             </p:stCondLst>
                             <p:childTnLst>
                               <p:par>
-                                <p:cTn id="15" presetID="14" presetClass="entr" presetSubtype="10" fill="hold" nodeType="clickEffect">
+                                <p:cTn id="19" presetID="14" presetClass="entr" presetSubtype="10" fill="hold" nodeType="clickEffect">
                                   <p:stCondLst>
                                     <p:cond delay="0"/>
                                   </p:stCondLst>
                                   <p:childTnLst>
                                     <p:set>
                                       <p:cBhvr>
-                                        <p:cTn id="16" dur="1" fill="hold">
+                                        <p:cTn id="20" dur="1" fill="hold">
                                           <p:stCondLst>
                                             <p:cond delay="0"/>
                                           </p:stCondLst>
@@ -14575,7 +14757,7 @@
                                         <p:tgtEl>
                                           <p:spTgt spid="3">
                                             <p:txEl>
-                                              <p:pRg st="5" end="5"/>
+                                              <p:pRg st="6" end="6"/>
                                             </p:txEl>
                                           </p:spTgt>
                                         </p:tgtEl>
@@ -14589,11 +14771,11 @@
                                     </p:set>
                                     <p:animEffect transition="in" filter="randombar(horizontal)">
                                       <p:cBhvr>
-                                        <p:cTn id="17" dur="500"/>
+                                        <p:cTn id="21" dur="500"/>
                                         <p:tgtEl>
                                           <p:spTgt spid="3">
                                             <p:txEl>
-                                              <p:pRg st="5" end="5"/>
+                                              <p:pRg st="6" end="6"/>
                                             </p:txEl>
                                           </p:spTgt>
                                         </p:tgtEl>
